--- a/2020-1-13/ppt/数据存储.pptx
+++ b/2020-1-13/ppt/数据存储.pptx
@@ -24,6 +24,7 @@
     <p:sldId id="269" r:id="rId21"/>
     <p:sldId id="270" r:id="rId22"/>
     <p:sldId id="271" r:id="rId23"/>
+    <p:sldId id="272" r:id="rId24"/>
   </p:sldIdLst>
   <p:sldSz cx="24384000" cy="13716000"/>
   <p:notesSz cx="6858000" cy="9144000"/>
@@ -3960,6 +3961,597 @@
   <p:cSld>
     <p:bg>
       <p:bgPr>
+        <a:solidFill>
+          <a:srgbClr val="FFFFFF"/>
+        </a:solidFill>
+      </p:bgPr>
+    </p:bg>
+    <p:spTree>
+      <p:nvGrpSpPr>
+        <p:cNvPr id="1" name=""/>
+        <p:cNvGrpSpPr/>
+        <p:nvPr/>
+      </p:nvGrpSpPr>
+      <p:grpSpPr>
+        <a:xfrm>
+          <a:off x="0" y="0"/>
+          <a:ext cx="0" cy="0"/>
+          <a:chOff x="0" y="0"/>
+          <a:chExt cx="0" cy="0"/>
+        </a:xfrm>
+      </p:grpSpPr>
+      <p:sp>
+        <p:nvSpPr>
+          <p:cNvPr id="204" name="幻灯片编号"/>
+          <p:cNvSpPr txBox="1"/>
+          <p:nvPr>
+            <p:ph type="sldNum" sz="quarter" idx="4294967295"/>
+          </p:nvPr>
+        </p:nvSpPr>
+        <p:spPr>
+          <a:xfrm>
+            <a:off x="11959031" y="13081000"/>
+            <a:ext cx="453238" cy="461059"/>
+          </a:xfrm>
+          <a:prstGeom prst="rect">
+            <a:avLst/>
+          </a:prstGeom>
+          <a:extLst>
+            <a:ext uri="{C572A759-6A51-4108-AA02-DFA0A04FC94B}">
+              <ma14:wrappingTextBoxFlag xmlns:ma14="http://schemas.microsoft.com/office/mac/drawingml/2011/main" val="1"/>
+            </a:ext>
+          </a:extLst>
+        </p:spPr>
+        <p:txBody>
+          <a:bodyPr/>
+          <a:lstStyle/>
+          <a:p>
+            <a:pPr/>
+            <a:fld id="{86CB4B4D-7CA3-9044-876B-883B54F8677D}" type="slidenum"/>
+          </a:p>
+        </p:txBody>
+      </p:sp>
+      <p:sp>
+        <p:nvSpPr>
+          <p:cNvPr id="205" name="eg:让一个方块动起来？"/>
+          <p:cNvSpPr txBox="1"/>
+          <p:nvPr/>
+        </p:nvSpPr>
+        <p:spPr>
+          <a:xfrm>
+            <a:off x="1418918" y="929680"/>
+            <a:ext cx="20170338" cy="1371601"/>
+          </a:xfrm>
+          <a:prstGeom prst="rect">
+            <a:avLst/>
+          </a:prstGeom>
+          <a:ln w="12700">
+            <a:miter lim="400000"/>
+          </a:ln>
+          <a:extLst>
+            <a:ext uri="{C572A759-6A51-4108-AA02-DFA0A04FC94B}">
+              <ma14:wrappingTextBoxFlag xmlns:ma14="http://schemas.microsoft.com/office/mac/drawingml/2011/main" val="1"/>
+            </a:ext>
+          </a:extLst>
+        </p:spPr>
+        <p:txBody>
+          <a:bodyPr lIns="50800" tIns="50800" rIns="50800" bIns="50800" anchor="ctr">
+            <a:spAutoFit/>
+          </a:bodyPr>
+          <a:lstStyle>
+            <a:lvl1pPr algn="l">
+              <a:defRPr b="1" sz="7200">
+                <a:latin typeface="+mn-lt"/>
+                <a:ea typeface="+mn-ea"/>
+                <a:cs typeface="+mn-cs"/>
+                <a:sym typeface="Helvetica Neue"/>
+              </a:defRPr>
+            </a:lvl1pPr>
+          </a:lstStyle>
+          <a:p>
+            <a:pPr/>
+            <a:r>
+              <a:t>storageEvent 事件</a:t>
+            </a:r>
+          </a:p>
+        </p:txBody>
+      </p:sp>
+      <p:sp>
+        <p:nvSpPr>
+          <p:cNvPr id="206" name="矩形"/>
+          <p:cNvSpPr/>
+          <p:nvPr/>
+        </p:nvSpPr>
+        <p:spPr>
+          <a:xfrm>
+            <a:off x="-43615" y="688118"/>
+            <a:ext cx="841760" cy="1854726"/>
+          </a:xfrm>
+          <a:prstGeom prst="rect">
+            <a:avLst/>
+          </a:prstGeom>
+          <a:solidFill>
+            <a:schemeClr val="accent5"/>
+          </a:solidFill>
+          <a:ln w="12700">
+            <a:miter lim="400000"/>
+          </a:ln>
+        </p:spPr>
+        <p:txBody>
+          <a:bodyPr lIns="50800" tIns="50800" rIns="50800" bIns="50800" anchor="ctr"/>
+          <a:lstStyle/>
+          <a:p>
+            <a:pPr>
+              <a:defRPr sz="3200">
+                <a:solidFill>
+                  <a:srgbClr val="FFFFFF"/>
+                </a:solidFill>
+              </a:defRPr>
+            </a:pPr>
+          </a:p>
+        </p:txBody>
+      </p:sp>
+      <p:sp>
+        <p:nvSpPr>
+          <p:cNvPr id="207" name="矩形"/>
+          <p:cNvSpPr/>
+          <p:nvPr/>
+        </p:nvSpPr>
+        <p:spPr>
+          <a:xfrm>
+            <a:off x="2809" y="13533006"/>
+            <a:ext cx="24378382" cy="461061"/>
+          </a:xfrm>
+          <a:prstGeom prst="rect">
+            <a:avLst/>
+          </a:prstGeom>
+          <a:solidFill>
+            <a:schemeClr val="accent5"/>
+          </a:solidFill>
+          <a:ln w="12700">
+            <a:miter lim="400000"/>
+          </a:ln>
+        </p:spPr>
+        <p:txBody>
+          <a:bodyPr lIns="50800" tIns="50800" rIns="50800" bIns="50800" anchor="ctr"/>
+          <a:lstStyle/>
+          <a:p>
+            <a:pPr>
+              <a:defRPr sz="3200">
+                <a:solidFill>
+                  <a:srgbClr val="FFFFFF"/>
+                </a:solidFill>
+              </a:defRPr>
+            </a:pPr>
+          </a:p>
+        </p:txBody>
+      </p:sp>
+      <p:sp>
+        <p:nvSpPr>
+          <p:cNvPr id="208" name="所需知识点"/>
+          <p:cNvSpPr txBox="1"/>
+          <p:nvPr/>
+        </p:nvSpPr>
+        <p:spPr>
+          <a:xfrm>
+            <a:off x="1362392" y="2705302"/>
+            <a:ext cx="21659216" cy="1877823"/>
+          </a:xfrm>
+          <a:prstGeom prst="rect">
+            <a:avLst/>
+          </a:prstGeom>
+          <a:ln w="12700">
+            <a:miter lim="400000"/>
+          </a:ln>
+          <a:extLst>
+            <a:ext uri="{C572A759-6A51-4108-AA02-DFA0A04FC94B}">
+              <ma14:wrappingTextBoxFlag xmlns:ma14="http://schemas.microsoft.com/office/mac/drawingml/2011/main" val="1"/>
+            </a:ext>
+          </a:extLst>
+        </p:spPr>
+        <p:txBody>
+          <a:bodyPr lIns="50800" tIns="50800" rIns="50800" bIns="50800" anchor="ctr">
+            <a:spAutoFit/>
+          </a:bodyPr>
+          <a:lstStyle>
+            <a:lvl1pPr marL="451184" indent="-451184" algn="l">
+              <a:lnSpc>
+                <a:spcPct val="120000"/>
+              </a:lnSpc>
+              <a:buSzPct val="100000"/>
+              <a:buChar char="•"/>
+              <a:defRPr sz="4500">
+                <a:solidFill>
+                  <a:srgbClr val="434343"/>
+                </a:solidFill>
+                <a:latin typeface="+mn-lt"/>
+                <a:ea typeface="+mn-ea"/>
+                <a:cs typeface="+mn-cs"/>
+                <a:sym typeface="Helvetica Neue"/>
+              </a:defRPr>
+            </a:lvl1pPr>
+          </a:lstStyle>
+          <a:p>
+            <a:pPr/>
+            <a:r>
+              <a:t>当storage发生变化时，和它同域的、在其他Tab中打开的页面会触发StorageEvent事件</a:t>
+            </a:r>
+          </a:p>
+        </p:txBody>
+      </p:sp>
+      <p:sp>
+        <p:nvSpPr>
+          <p:cNvPr id="209" name="所需知识点"/>
+          <p:cNvSpPr txBox="1"/>
+          <p:nvPr/>
+        </p:nvSpPr>
+        <p:spPr>
+          <a:xfrm>
+            <a:off x="1613928" y="6377238"/>
+            <a:ext cx="21659215" cy="901701"/>
+          </a:xfrm>
+          <a:prstGeom prst="rect">
+            <a:avLst/>
+          </a:prstGeom>
+          <a:ln w="12700">
+            <a:miter lim="400000"/>
+          </a:ln>
+          <a:extLst>
+            <a:ext uri="{C572A759-6A51-4108-AA02-DFA0A04FC94B}">
+              <ma14:wrappingTextBoxFlag xmlns:ma14="http://schemas.microsoft.com/office/mac/drawingml/2011/main" val="1"/>
+            </a:ext>
+          </a:extLst>
+        </p:spPr>
+        <p:txBody>
+          <a:bodyPr lIns="50800" tIns="50800" rIns="50800" bIns="50800" anchor="ctr">
+            <a:spAutoFit/>
+          </a:bodyPr>
+          <a:lstStyle>
+            <a:lvl1pPr algn="l">
+              <a:lnSpc>
+                <a:spcPct val="120000"/>
+              </a:lnSpc>
+              <a:defRPr sz="4500">
+                <a:solidFill>
+                  <a:srgbClr val="434343"/>
+                </a:solidFill>
+                <a:latin typeface="+mn-lt"/>
+                <a:ea typeface="+mn-ea"/>
+                <a:cs typeface="+mn-cs"/>
+                <a:sym typeface="Helvetica Neue"/>
+              </a:defRPr>
+            </a:lvl1pPr>
+          </a:lstStyle>
+          <a:p>
+            <a:pPr/>
+            <a:r>
+              <a:t>- key 发生变化的属性 （如果调用.clear方法，key会返回null）</a:t>
+            </a:r>
+          </a:p>
+        </p:txBody>
+      </p:sp>
+      <p:sp>
+        <p:nvSpPr>
+          <p:cNvPr id="210" name="所需知识点"/>
+          <p:cNvSpPr txBox="1"/>
+          <p:nvPr/>
+        </p:nvSpPr>
+        <p:spPr>
+          <a:xfrm>
+            <a:off x="1613928" y="7616345"/>
+            <a:ext cx="21659215" cy="901701"/>
+          </a:xfrm>
+          <a:prstGeom prst="rect">
+            <a:avLst/>
+          </a:prstGeom>
+          <a:ln w="12700">
+            <a:miter lim="400000"/>
+          </a:ln>
+          <a:extLst>
+            <a:ext uri="{C572A759-6A51-4108-AA02-DFA0A04FC94B}">
+              <ma14:wrappingTextBoxFlag xmlns:ma14="http://schemas.microsoft.com/office/mac/drawingml/2011/main" val="1"/>
+            </a:ext>
+          </a:extLst>
+        </p:spPr>
+        <p:txBody>
+          <a:bodyPr lIns="50800" tIns="50800" rIns="50800" bIns="50800" anchor="ctr">
+            <a:spAutoFit/>
+          </a:bodyPr>
+          <a:lstStyle/>
+          <a:p>
+            <a:pPr algn="l">
+              <a:lnSpc>
+                <a:spcPct val="120000"/>
+              </a:lnSpc>
+              <a:defRPr sz="4500">
+                <a:solidFill>
+                  <a:srgbClr val="434343"/>
+                </a:solidFill>
+                <a:latin typeface="+mn-lt"/>
+                <a:ea typeface="+mn-ea"/>
+                <a:cs typeface="+mn-cs"/>
+                <a:sym typeface="Helvetica Neue"/>
+              </a:defRPr>
+            </a:pPr>
+            <a:r>
+              <a:t>- oldvalue （如果是新增数据，会返回 </a:t>
+            </a:r>
+            <a:r>
+              <a:rPr>
+                <a:latin typeface="Menlo"/>
+                <a:ea typeface="Menlo"/>
+                <a:cs typeface="Menlo"/>
+                <a:sym typeface="Menlo"/>
+              </a:rPr>
+              <a:t>null</a:t>
+            </a:r>
+            <a:r>
+              <a:t>）</a:t>
+            </a:r>
+          </a:p>
+        </p:txBody>
+      </p:sp>
+      <p:sp>
+        <p:nvSpPr>
+          <p:cNvPr id="211" name="所需知识点"/>
+          <p:cNvSpPr txBox="1"/>
+          <p:nvPr/>
+        </p:nvSpPr>
+        <p:spPr>
+          <a:xfrm>
+            <a:off x="1613928" y="9001496"/>
+            <a:ext cx="21659215" cy="901701"/>
+          </a:xfrm>
+          <a:prstGeom prst="rect">
+            <a:avLst/>
+          </a:prstGeom>
+          <a:ln w="12700">
+            <a:miter lim="400000"/>
+          </a:ln>
+          <a:extLst>
+            <a:ext uri="{C572A759-6A51-4108-AA02-DFA0A04FC94B}">
+              <ma14:wrappingTextBoxFlag xmlns:ma14="http://schemas.microsoft.com/office/mac/drawingml/2011/main" val="1"/>
+            </a:ext>
+          </a:extLst>
+        </p:spPr>
+        <p:txBody>
+          <a:bodyPr lIns="50800" tIns="50800" rIns="50800" bIns="50800" anchor="ctr">
+            <a:spAutoFit/>
+          </a:bodyPr>
+          <a:lstStyle/>
+          <a:p>
+            <a:pPr algn="l">
+              <a:lnSpc>
+                <a:spcPct val="120000"/>
+              </a:lnSpc>
+              <a:defRPr sz="4500">
+                <a:solidFill>
+                  <a:srgbClr val="434343"/>
+                </a:solidFill>
+                <a:latin typeface="+mn-lt"/>
+                <a:ea typeface="+mn-ea"/>
+                <a:cs typeface="+mn-cs"/>
+                <a:sym typeface="Helvetica Neue"/>
+              </a:defRPr>
+            </a:pPr>
+            <a:r>
+              <a:t>- newvalue 新值 （如果是删除数据，会返回 </a:t>
+            </a:r>
+            <a:r>
+              <a:rPr>
+                <a:latin typeface="Menlo"/>
+                <a:ea typeface="Menlo"/>
+                <a:cs typeface="Menlo"/>
+                <a:sym typeface="Menlo"/>
+              </a:rPr>
+              <a:t>null</a:t>
+            </a:r>
+            <a:r>
+              <a:t>）</a:t>
+            </a:r>
+          </a:p>
+        </p:txBody>
+      </p:sp>
+      <p:sp>
+        <p:nvSpPr>
+          <p:cNvPr id="212" name="所需知识点"/>
+          <p:cNvSpPr txBox="1"/>
+          <p:nvPr/>
+        </p:nvSpPr>
+        <p:spPr>
+          <a:xfrm>
+            <a:off x="1613928" y="10386648"/>
+            <a:ext cx="21659215" cy="901701"/>
+          </a:xfrm>
+          <a:prstGeom prst="rect">
+            <a:avLst/>
+          </a:prstGeom>
+          <a:ln w="12700">
+            <a:miter lim="400000"/>
+          </a:ln>
+          <a:extLst>
+            <a:ext uri="{C572A759-6A51-4108-AA02-DFA0A04FC94B}">
+              <ma14:wrappingTextBoxFlag xmlns:ma14="http://schemas.microsoft.com/office/mac/drawingml/2011/main" val="1"/>
+            </a:ext>
+          </a:extLst>
+        </p:spPr>
+        <p:txBody>
+          <a:bodyPr lIns="50800" tIns="50800" rIns="50800" bIns="50800" anchor="ctr">
+            <a:spAutoFit/>
+          </a:bodyPr>
+          <a:lstStyle>
+            <a:lvl1pPr algn="l">
+              <a:lnSpc>
+                <a:spcPct val="120000"/>
+              </a:lnSpc>
+              <a:defRPr sz="4500">
+                <a:solidFill>
+                  <a:srgbClr val="434343"/>
+                </a:solidFill>
+                <a:latin typeface="+mn-lt"/>
+                <a:ea typeface="+mn-ea"/>
+                <a:cs typeface="+mn-cs"/>
+                <a:sym typeface="Helvetica Neue"/>
+              </a:defRPr>
+            </a:lvl1pPr>
+          </a:lstStyle>
+          <a:p>
+            <a:pPr/>
+            <a:r>
+              <a:t>- url  发生变化的Storage对象所在页面的url地址</a:t>
+            </a:r>
+          </a:p>
+        </p:txBody>
+      </p:sp>
+      <p:sp>
+        <p:nvSpPr>
+          <p:cNvPr id="213" name="所需知识点"/>
+          <p:cNvSpPr txBox="1"/>
+          <p:nvPr/>
+        </p:nvSpPr>
+        <p:spPr>
+          <a:xfrm>
+            <a:off x="1613928" y="11625755"/>
+            <a:ext cx="21659215" cy="901701"/>
+          </a:xfrm>
+          <a:prstGeom prst="rect">
+            <a:avLst/>
+          </a:prstGeom>
+          <a:ln w="12700">
+            <a:miter lim="400000"/>
+          </a:ln>
+          <a:extLst>
+            <a:ext uri="{C572A759-6A51-4108-AA02-DFA0A04FC94B}">
+              <ma14:wrappingTextBoxFlag xmlns:ma14="http://schemas.microsoft.com/office/mac/drawingml/2011/main" val="1"/>
+            </a:ext>
+          </a:extLst>
+        </p:spPr>
+        <p:txBody>
+          <a:bodyPr lIns="50800" tIns="50800" rIns="50800" bIns="50800" anchor="ctr">
+            <a:spAutoFit/>
+          </a:bodyPr>
+          <a:lstStyle/>
+          <a:p>
+            <a:pPr algn="l">
+              <a:lnSpc>
+                <a:spcPct val="120000"/>
+              </a:lnSpc>
+              <a:defRPr sz="4500">
+                <a:solidFill>
+                  <a:srgbClr val="434343"/>
+                </a:solidFill>
+                <a:latin typeface="+mn-lt"/>
+                <a:ea typeface="+mn-ea"/>
+                <a:cs typeface="+mn-cs"/>
+                <a:sym typeface="Helvetica Neue"/>
+              </a:defRPr>
+            </a:pPr>
+            <a:r>
+              <a:t>- storageArea : </a:t>
+            </a:r>
+            <a:r>
+              <a:rPr>
+                <a:latin typeface="+mj-lt"/>
+                <a:ea typeface="+mj-ea"/>
+                <a:cs typeface="+mj-cs"/>
+                <a:sym typeface="Helvetica"/>
+              </a:rPr>
+              <a:t>数据发生更新的 </a:t>
+            </a:r>
+            <a:r>
+              <a:t>localStorage</a:t>
+            </a:r>
+            <a:r>
+              <a:rPr>
+                <a:latin typeface="+mj-lt"/>
+                <a:ea typeface="+mj-ea"/>
+                <a:cs typeface="+mj-cs"/>
+                <a:sym typeface="Helvetica"/>
+              </a:rPr>
+              <a:t> 或 </a:t>
+            </a:r>
+            <a:r>
+              <a:t>sessionStorage</a:t>
+            </a:r>
+            <a:r>
+              <a:rPr>
+                <a:latin typeface="+mj-lt"/>
+                <a:ea typeface="+mj-ea"/>
+                <a:cs typeface="+mj-cs"/>
+                <a:sym typeface="Helvetica"/>
+              </a:rPr>
+              <a:t> 对象</a:t>
+            </a:r>
+          </a:p>
+        </p:txBody>
+      </p:sp>
+      <p:sp>
+        <p:nvSpPr>
+          <p:cNvPr id="214" name="所需知识点"/>
+          <p:cNvSpPr txBox="1"/>
+          <p:nvPr/>
+        </p:nvSpPr>
+        <p:spPr>
+          <a:xfrm>
+            <a:off x="1362392" y="4939321"/>
+            <a:ext cx="21659216" cy="901701"/>
+          </a:xfrm>
+          <a:prstGeom prst="rect">
+            <a:avLst/>
+          </a:prstGeom>
+          <a:ln w="12700">
+            <a:miter lim="400000"/>
+          </a:ln>
+          <a:extLst>
+            <a:ext uri="{C572A759-6A51-4108-AA02-DFA0A04FC94B}">
+              <ma14:wrappingTextBoxFlag xmlns:ma14="http://schemas.microsoft.com/office/mac/drawingml/2011/main" val="1"/>
+            </a:ext>
+          </a:extLst>
+        </p:spPr>
+        <p:txBody>
+          <a:bodyPr lIns="50800" tIns="50800" rIns="50800" bIns="50800" anchor="ctr">
+            <a:spAutoFit/>
+          </a:bodyPr>
+          <a:lstStyle>
+            <a:lvl1pPr marL="451184" indent="-451184" algn="l">
+              <a:lnSpc>
+                <a:spcPct val="120000"/>
+              </a:lnSpc>
+              <a:buSzPct val="100000"/>
+              <a:buChar char="•"/>
+              <a:defRPr sz="4500">
+                <a:solidFill>
+                  <a:srgbClr val="434343"/>
+                </a:solidFill>
+                <a:latin typeface="+mn-lt"/>
+                <a:ea typeface="+mn-ea"/>
+                <a:cs typeface="+mn-cs"/>
+                <a:sym typeface="Helvetica Neue"/>
+              </a:defRPr>
+            </a:lvl1pPr>
+          </a:lstStyle>
+          <a:p>
+            <a:pPr/>
+            <a:r>
+              <a:t>事件的属性</a:t>
+            </a:r>
+          </a:p>
+        </p:txBody>
+      </p:sp>
+    </p:spTree>
+  </p:cSld>
+  <p:clrMapOvr>
+    <a:masterClrMapping/>
+  </p:clrMapOvr>
+  <p:transition xmlns:p14="http://schemas.microsoft.com/office/powerpoint/2010/main" spd="med" advClick="1"/>
+</p:sld>
+</file>
+
+<file path=ppt/slides/slide14.xml><?xml version="1.0" encoding="utf-8"?>
+<p:sld xmlns:a="http://schemas.openxmlformats.org/drawingml/2006/main" xmlns:r="http://schemas.openxmlformats.org/officeDocument/2006/relationships" xmlns:p="http://schemas.openxmlformats.org/presentationml/2006/main" xmlns:m="http://schemas.openxmlformats.org/officeDocument/2006/math" xmlns:a14="http://schemas.microsoft.com/office/drawing/2010/main" showMasterSp="1" showMasterPhAnim="1">
+  <p:cSld>
+    <p:bg>
+      <p:bgPr>
         <a:blipFill rotWithShape="1">
           <a:blip r:embed="rId2"/>
           <a:srcRect l="0" t="0" r="0" b="0"/>
@@ -3985,7 +4577,7 @@
       </p:grpSpPr>
       <p:sp>
         <p:nvSpPr>
-          <p:cNvPr id="204" name="追梦课堂   临汾首家专业的web前端培训机构                                                          www.zmclass.com"/>
+          <p:cNvPr id="216" name="追梦课堂   临汾首家专业的web前端培训机构                                                          www.zmclass.com"/>
           <p:cNvSpPr txBox="1"/>
           <p:nvPr/>
         </p:nvSpPr>
@@ -4073,7 +4665,7 @@
       </p:sp>
       <p:sp>
         <p:nvSpPr>
-          <p:cNvPr id="205" name="幻灯片编号"/>
+          <p:cNvPr id="217" name="幻灯片编号"/>
           <p:cNvSpPr txBox="1"/>
           <p:nvPr>
             <p:ph type="sldNum" sz="quarter" idx="4294967295"/>
@@ -4104,7 +4696,7 @@
       </p:sp>
       <p:grpSp>
         <p:nvGrpSpPr>
-          <p:cNvPr id="208" name="01"/>
+          <p:cNvPr id="220" name="01"/>
           <p:cNvGrpSpPr/>
           <p:nvPr/>
         </p:nvGrpSpPr>
@@ -4118,7 +4710,7 @@
         </p:grpSpPr>
         <p:sp>
           <p:nvSpPr>
-            <p:cNvPr id="206" name="圆形"/>
+            <p:cNvPr id="218" name="圆形"/>
             <p:cNvSpPr/>
             <p:nvPr/>
           </p:nvSpPr>
@@ -4161,7 +4753,7 @@
         </p:sp>
         <p:sp>
           <p:nvSpPr>
-            <p:cNvPr id="207" name="03"/>
+            <p:cNvPr id="219" name="03"/>
             <p:cNvSpPr txBox="1"/>
             <p:nvPr/>
           </p:nvSpPr>
@@ -4213,7 +4805,7 @@
       </p:grpSp>
       <p:sp>
         <p:nvSpPr>
-          <p:cNvPr id="209" name="线条"/>
+          <p:cNvPr id="221" name="线条"/>
           <p:cNvSpPr/>
           <p:nvPr/>
         </p:nvSpPr>
@@ -4250,7 +4842,7 @@
       </p:sp>
       <p:sp>
         <p:nvSpPr>
-          <p:cNvPr id="210" name="jvascript动画"/>
+          <p:cNvPr id="222" name="jvascript动画"/>
           <p:cNvSpPr txBox="1"/>
           <p:nvPr/>
         </p:nvSpPr>
@@ -4292,344 +4884,6 @@
             <a:pPr/>
             <a:r>
               <a:t>注意事项</a:t>
-            </a:r>
-          </a:p>
-        </p:txBody>
-      </p:sp>
-    </p:spTree>
-  </p:cSld>
-  <p:clrMapOvr>
-    <a:masterClrMapping/>
-  </p:clrMapOvr>
-  <p:transition xmlns:p14="http://schemas.microsoft.com/office/powerpoint/2010/main" spd="med" advClick="1"/>
-</p:sld>
-</file>
-
-<file path=ppt/slides/slide14.xml><?xml version="1.0" encoding="utf-8"?>
-<p:sld xmlns:a="http://schemas.openxmlformats.org/drawingml/2006/main" xmlns:r="http://schemas.openxmlformats.org/officeDocument/2006/relationships" xmlns:p="http://schemas.openxmlformats.org/presentationml/2006/main" xmlns:m="http://schemas.openxmlformats.org/officeDocument/2006/math" xmlns:a14="http://schemas.microsoft.com/office/drawing/2010/main" showMasterSp="1" showMasterPhAnim="1">
-  <p:cSld>
-    <p:bg>
-      <p:bgPr>
-        <a:solidFill>
-          <a:srgbClr val="FFFFFF"/>
-        </a:solidFill>
-      </p:bgPr>
-    </p:bg>
-    <p:spTree>
-      <p:nvGrpSpPr>
-        <p:cNvPr id="1" name=""/>
-        <p:cNvGrpSpPr/>
-        <p:nvPr/>
-      </p:nvGrpSpPr>
-      <p:grpSpPr>
-        <a:xfrm>
-          <a:off x="0" y="0"/>
-          <a:ext cx="0" cy="0"/>
-          <a:chOff x="0" y="0"/>
-          <a:chExt cx="0" cy="0"/>
-        </a:xfrm>
-      </p:grpSpPr>
-      <p:sp>
-        <p:nvSpPr>
-          <p:cNvPr id="212" name="幻灯片编号"/>
-          <p:cNvSpPr txBox="1"/>
-          <p:nvPr>
-            <p:ph type="sldNum" sz="quarter" idx="4294967295"/>
-          </p:nvPr>
-        </p:nvSpPr>
-        <p:spPr>
-          <a:xfrm>
-            <a:off x="11959031" y="13081000"/>
-            <a:ext cx="453238" cy="461059"/>
-          </a:xfrm>
-          <a:prstGeom prst="rect">
-            <a:avLst/>
-          </a:prstGeom>
-          <a:extLst>
-            <a:ext uri="{C572A759-6A51-4108-AA02-DFA0A04FC94B}">
-              <ma14:wrappingTextBoxFlag xmlns:ma14="http://schemas.microsoft.com/office/mac/drawingml/2011/main" val="1"/>
-            </a:ext>
-          </a:extLst>
-        </p:spPr>
-        <p:txBody>
-          <a:bodyPr/>
-          <a:lstStyle/>
-          <a:p>
-            <a:pPr/>
-            <a:fld id="{86CB4B4D-7CA3-9044-876B-883B54F8677D}" type="slidenum"/>
-          </a:p>
-        </p:txBody>
-      </p:sp>
-      <p:sp>
-        <p:nvSpPr>
-          <p:cNvPr id="213" name="eg:让一个方块动起来？"/>
-          <p:cNvSpPr txBox="1"/>
-          <p:nvPr/>
-        </p:nvSpPr>
-        <p:spPr>
-          <a:xfrm>
-            <a:off x="1418918" y="929680"/>
-            <a:ext cx="20170338" cy="1371601"/>
-          </a:xfrm>
-          <a:prstGeom prst="rect">
-            <a:avLst/>
-          </a:prstGeom>
-          <a:ln w="12700">
-            <a:miter lim="400000"/>
-          </a:ln>
-          <a:extLst>
-            <a:ext uri="{C572A759-6A51-4108-AA02-DFA0A04FC94B}">
-              <ma14:wrappingTextBoxFlag xmlns:ma14="http://schemas.microsoft.com/office/mac/drawingml/2011/main" val="1"/>
-            </a:ext>
-          </a:extLst>
-        </p:spPr>
-        <p:txBody>
-          <a:bodyPr lIns="50800" tIns="50800" rIns="50800" bIns="50800" anchor="ctr">
-            <a:spAutoFit/>
-          </a:bodyPr>
-          <a:lstStyle>
-            <a:lvl1pPr algn="l">
-              <a:defRPr b="1" sz="7200">
-                <a:latin typeface="+mn-lt"/>
-                <a:ea typeface="+mn-ea"/>
-                <a:cs typeface="+mn-cs"/>
-                <a:sym typeface="Helvetica Neue"/>
-              </a:defRPr>
-            </a:lvl1pPr>
-          </a:lstStyle>
-          <a:p>
-            <a:pPr/>
-            <a:r>
-              <a:t>使用注意</a:t>
-            </a:r>
-          </a:p>
-        </p:txBody>
-      </p:sp>
-      <p:sp>
-        <p:nvSpPr>
-          <p:cNvPr id="214" name="矩形"/>
-          <p:cNvSpPr/>
-          <p:nvPr/>
-        </p:nvSpPr>
-        <p:spPr>
-          <a:xfrm>
-            <a:off x="-43615" y="688118"/>
-            <a:ext cx="841760" cy="1854726"/>
-          </a:xfrm>
-          <a:prstGeom prst="rect">
-            <a:avLst/>
-          </a:prstGeom>
-          <a:solidFill>
-            <a:schemeClr val="accent5"/>
-          </a:solidFill>
-          <a:ln w="12700">
-            <a:miter lim="400000"/>
-          </a:ln>
-        </p:spPr>
-        <p:txBody>
-          <a:bodyPr lIns="50800" tIns="50800" rIns="50800" bIns="50800" anchor="ctr"/>
-          <a:lstStyle/>
-          <a:p>
-            <a:pPr>
-              <a:defRPr sz="3200">
-                <a:solidFill>
-                  <a:srgbClr val="FFFFFF"/>
-                </a:solidFill>
-              </a:defRPr>
-            </a:pPr>
-          </a:p>
-        </p:txBody>
-      </p:sp>
-      <p:sp>
-        <p:nvSpPr>
-          <p:cNvPr id="215" name="矩形"/>
-          <p:cNvSpPr/>
-          <p:nvPr/>
-        </p:nvSpPr>
-        <p:spPr>
-          <a:xfrm>
-            <a:off x="2809" y="13533006"/>
-            <a:ext cx="24378382" cy="461061"/>
-          </a:xfrm>
-          <a:prstGeom prst="rect">
-            <a:avLst/>
-          </a:prstGeom>
-          <a:solidFill>
-            <a:schemeClr val="accent5"/>
-          </a:solidFill>
-          <a:ln w="12700">
-            <a:miter lim="400000"/>
-          </a:ln>
-        </p:spPr>
-        <p:txBody>
-          <a:bodyPr lIns="50800" tIns="50800" rIns="50800" bIns="50800" anchor="ctr"/>
-          <a:lstStyle/>
-          <a:p>
-            <a:pPr>
-              <a:defRPr sz="3200">
-                <a:solidFill>
-                  <a:srgbClr val="FFFFFF"/>
-                </a:solidFill>
-              </a:defRPr>
-            </a:pPr>
-          </a:p>
-        </p:txBody>
-      </p:sp>
-      <p:sp>
-        <p:nvSpPr>
-          <p:cNvPr id="216" name="所需知识点"/>
-          <p:cNvSpPr txBox="1"/>
-          <p:nvPr/>
-        </p:nvSpPr>
-        <p:spPr>
-          <a:xfrm>
-            <a:off x="1362392" y="3193363"/>
-            <a:ext cx="21659216" cy="901701"/>
-          </a:xfrm>
-          <a:prstGeom prst="rect">
-            <a:avLst/>
-          </a:prstGeom>
-          <a:ln w="12700">
-            <a:miter lim="400000"/>
-          </a:ln>
-          <a:extLst>
-            <a:ext uri="{C572A759-6A51-4108-AA02-DFA0A04FC94B}">
-              <ma14:wrappingTextBoxFlag xmlns:ma14="http://schemas.microsoft.com/office/mac/drawingml/2011/main" val="1"/>
-            </a:ext>
-          </a:extLst>
-        </p:spPr>
-        <p:txBody>
-          <a:bodyPr lIns="50800" tIns="50800" rIns="50800" bIns="50800" anchor="ctr">
-            <a:spAutoFit/>
-          </a:bodyPr>
-          <a:lstStyle>
-            <a:lvl1pPr marL="451184" indent="-451184" algn="l">
-              <a:lnSpc>
-                <a:spcPct val="120000"/>
-              </a:lnSpc>
-              <a:buSzPct val="100000"/>
-              <a:buChar char="•"/>
-              <a:defRPr sz="4500">
-                <a:solidFill>
-                  <a:srgbClr val="434343"/>
-                </a:solidFill>
-                <a:latin typeface="+mn-lt"/>
-                <a:ea typeface="+mn-ea"/>
-                <a:cs typeface="+mn-cs"/>
-                <a:sym typeface="Helvetica Neue"/>
-              </a:defRPr>
-            </a:lvl1pPr>
-          </a:lstStyle>
-          <a:p>
-            <a:pPr/>
-            <a:r>
-              <a:t>Storage 都是同步的</a:t>
-            </a:r>
-          </a:p>
-        </p:txBody>
-      </p:sp>
-      <p:sp>
-        <p:nvSpPr>
-          <p:cNvPr id="217" name="所需知识点"/>
-          <p:cNvSpPr txBox="1"/>
-          <p:nvPr/>
-        </p:nvSpPr>
-        <p:spPr>
-          <a:xfrm>
-            <a:off x="1362392" y="4490994"/>
-            <a:ext cx="21659216" cy="901701"/>
-          </a:xfrm>
-          <a:prstGeom prst="rect">
-            <a:avLst/>
-          </a:prstGeom>
-          <a:ln w="12700">
-            <a:miter lim="400000"/>
-          </a:ln>
-          <a:extLst>
-            <a:ext uri="{C572A759-6A51-4108-AA02-DFA0A04FC94B}">
-              <ma14:wrappingTextBoxFlag xmlns:ma14="http://schemas.microsoft.com/office/mac/drawingml/2011/main" val="1"/>
-            </a:ext>
-          </a:extLst>
-        </p:spPr>
-        <p:txBody>
-          <a:bodyPr lIns="50800" tIns="50800" rIns="50800" bIns="50800" anchor="ctr">
-            <a:spAutoFit/>
-          </a:bodyPr>
-          <a:lstStyle>
-            <a:lvl1pPr marL="451184" indent="-451184" algn="l">
-              <a:lnSpc>
-                <a:spcPct val="120000"/>
-              </a:lnSpc>
-              <a:buSzPct val="100000"/>
-              <a:buChar char="•"/>
-              <a:defRPr sz="4500">
-                <a:solidFill>
-                  <a:srgbClr val="434343"/>
-                </a:solidFill>
-                <a:latin typeface="+mn-lt"/>
-                <a:ea typeface="+mn-ea"/>
-                <a:cs typeface="+mn-cs"/>
-                <a:sym typeface="Helvetica Neue"/>
-              </a:defRPr>
-            </a:lvl1pPr>
-          </a:lstStyle>
-          <a:p>
-            <a:pPr/>
-            <a:r>
-              <a:t>不同浏览器的 storage 大小是不一样的</a:t>
-            </a:r>
-          </a:p>
-        </p:txBody>
-      </p:sp>
-      <p:sp>
-        <p:nvSpPr>
-          <p:cNvPr id="218" name="所需知识点"/>
-          <p:cNvSpPr txBox="1"/>
-          <p:nvPr/>
-        </p:nvSpPr>
-        <p:spPr>
-          <a:xfrm>
-            <a:off x="1362392" y="5788625"/>
-            <a:ext cx="21659216" cy="901701"/>
-          </a:xfrm>
-          <a:prstGeom prst="rect">
-            <a:avLst/>
-          </a:prstGeom>
-          <a:ln w="12700">
-            <a:miter lim="400000"/>
-          </a:ln>
-          <a:extLst>
-            <a:ext uri="{C572A759-6A51-4108-AA02-DFA0A04FC94B}">
-              <ma14:wrappingTextBoxFlag xmlns:ma14="http://schemas.microsoft.com/office/mac/drawingml/2011/main" val="1"/>
-            </a:ext>
-          </a:extLst>
-        </p:spPr>
-        <p:txBody>
-          <a:bodyPr lIns="50800" tIns="50800" rIns="50800" bIns="50800" anchor="ctr">
-            <a:spAutoFit/>
-          </a:bodyPr>
-          <a:lstStyle>
-            <a:lvl1pPr marL="451184" indent="-451184" algn="l">
-              <a:lnSpc>
-                <a:spcPct val="120000"/>
-              </a:lnSpc>
-              <a:buSzPct val="100000"/>
-              <a:buChar char="•"/>
-              <a:defRPr sz="4500">
-                <a:solidFill>
-                  <a:srgbClr val="434343"/>
-                </a:solidFill>
-                <a:latin typeface="+mn-lt"/>
-                <a:ea typeface="+mn-ea"/>
-                <a:cs typeface="+mn-cs"/>
-                <a:sym typeface="Helvetica Neue"/>
-              </a:defRPr>
-            </a:lvl1pPr>
-          </a:lstStyle>
-          <a:p>
-            <a:pPr/>
-            <a:r>
-              <a:t>不要保存敏感数据</a:t>
             </a:r>
           </a:p>
         </p:txBody>
@@ -4669,7 +4923,7 @@
       </p:grpSpPr>
       <p:sp>
         <p:nvSpPr>
-          <p:cNvPr id="220" name="幻灯片编号"/>
+          <p:cNvPr id="224" name="幻灯片编号"/>
           <p:cNvSpPr txBox="1"/>
           <p:nvPr>
             <p:ph type="sldNum" sz="quarter" idx="4294967295"/>
@@ -4700,14 +4954,14 @@
       </p:sp>
       <p:sp>
         <p:nvSpPr>
-          <p:cNvPr id="221" name="eg:让一个方块动起来？"/>
+          <p:cNvPr id="225" name="eg:让一个方块动起来？"/>
           <p:cNvSpPr txBox="1"/>
           <p:nvPr/>
         </p:nvSpPr>
         <p:spPr>
           <a:xfrm>
-            <a:off x="1418918" y="1019143"/>
-            <a:ext cx="20170338" cy="1192677"/>
+            <a:off x="1418918" y="929680"/>
+            <a:ext cx="20170338" cy="1371601"/>
           </a:xfrm>
           <a:prstGeom prst="rect">
             <a:avLst/>
@@ -4738,14 +4992,14 @@
           <a:p>
             <a:pPr/>
             <a:r>
-              <a:t>eg</a:t>
-            </a:r>
-          </a:p>
-        </p:txBody>
-      </p:sp>
-      <p:sp>
-        <p:nvSpPr>
-          <p:cNvPr id="222" name="矩形"/>
+              <a:t>使用注意</a:t>
+            </a:r>
+          </a:p>
+        </p:txBody>
+      </p:sp>
+      <p:sp>
+        <p:nvSpPr>
+          <p:cNvPr id="226" name="矩形"/>
           <p:cNvSpPr/>
           <p:nvPr/>
         </p:nvSpPr>
@@ -4780,7 +5034,7 @@
       </p:sp>
       <p:sp>
         <p:nvSpPr>
-          <p:cNvPr id="223" name="矩形"/>
+          <p:cNvPr id="227" name="矩形"/>
           <p:cNvSpPr/>
           <p:nvPr/>
         </p:nvSpPr>
@@ -4815,7 +5069,345 @@
       </p:sp>
       <p:sp>
         <p:nvSpPr>
-          <p:cNvPr id="224" name="所需知识点"/>
+          <p:cNvPr id="228" name="所需知识点"/>
+          <p:cNvSpPr txBox="1"/>
+          <p:nvPr/>
+        </p:nvSpPr>
+        <p:spPr>
+          <a:xfrm>
+            <a:off x="1362392" y="3193363"/>
+            <a:ext cx="21659216" cy="901701"/>
+          </a:xfrm>
+          <a:prstGeom prst="rect">
+            <a:avLst/>
+          </a:prstGeom>
+          <a:ln w="12700">
+            <a:miter lim="400000"/>
+          </a:ln>
+          <a:extLst>
+            <a:ext uri="{C572A759-6A51-4108-AA02-DFA0A04FC94B}">
+              <ma14:wrappingTextBoxFlag xmlns:ma14="http://schemas.microsoft.com/office/mac/drawingml/2011/main" val="1"/>
+            </a:ext>
+          </a:extLst>
+        </p:spPr>
+        <p:txBody>
+          <a:bodyPr lIns="50800" tIns="50800" rIns="50800" bIns="50800" anchor="ctr">
+            <a:spAutoFit/>
+          </a:bodyPr>
+          <a:lstStyle>
+            <a:lvl1pPr marL="451184" indent="-451184" algn="l">
+              <a:lnSpc>
+                <a:spcPct val="120000"/>
+              </a:lnSpc>
+              <a:buSzPct val="100000"/>
+              <a:buChar char="•"/>
+              <a:defRPr sz="4500">
+                <a:solidFill>
+                  <a:srgbClr val="434343"/>
+                </a:solidFill>
+                <a:latin typeface="+mn-lt"/>
+                <a:ea typeface="+mn-ea"/>
+                <a:cs typeface="+mn-cs"/>
+                <a:sym typeface="Helvetica Neue"/>
+              </a:defRPr>
+            </a:lvl1pPr>
+          </a:lstStyle>
+          <a:p>
+            <a:pPr/>
+            <a:r>
+              <a:t>Storage 都是同步的</a:t>
+            </a:r>
+          </a:p>
+        </p:txBody>
+      </p:sp>
+      <p:sp>
+        <p:nvSpPr>
+          <p:cNvPr id="229" name="所需知识点"/>
+          <p:cNvSpPr txBox="1"/>
+          <p:nvPr/>
+        </p:nvSpPr>
+        <p:spPr>
+          <a:xfrm>
+            <a:off x="1362392" y="4490994"/>
+            <a:ext cx="21659216" cy="901701"/>
+          </a:xfrm>
+          <a:prstGeom prst="rect">
+            <a:avLst/>
+          </a:prstGeom>
+          <a:ln w="12700">
+            <a:miter lim="400000"/>
+          </a:ln>
+          <a:extLst>
+            <a:ext uri="{C572A759-6A51-4108-AA02-DFA0A04FC94B}">
+              <ma14:wrappingTextBoxFlag xmlns:ma14="http://schemas.microsoft.com/office/mac/drawingml/2011/main" val="1"/>
+            </a:ext>
+          </a:extLst>
+        </p:spPr>
+        <p:txBody>
+          <a:bodyPr lIns="50800" tIns="50800" rIns="50800" bIns="50800" anchor="ctr">
+            <a:spAutoFit/>
+          </a:bodyPr>
+          <a:lstStyle>
+            <a:lvl1pPr marL="451184" indent="-451184" algn="l">
+              <a:lnSpc>
+                <a:spcPct val="120000"/>
+              </a:lnSpc>
+              <a:buSzPct val="100000"/>
+              <a:buChar char="•"/>
+              <a:defRPr sz="4500">
+                <a:solidFill>
+                  <a:srgbClr val="434343"/>
+                </a:solidFill>
+                <a:latin typeface="+mn-lt"/>
+                <a:ea typeface="+mn-ea"/>
+                <a:cs typeface="+mn-cs"/>
+                <a:sym typeface="Helvetica Neue"/>
+              </a:defRPr>
+            </a:lvl1pPr>
+          </a:lstStyle>
+          <a:p>
+            <a:pPr/>
+            <a:r>
+              <a:t>不同浏览器的 storage 大小是不一样的</a:t>
+            </a:r>
+          </a:p>
+        </p:txBody>
+      </p:sp>
+      <p:sp>
+        <p:nvSpPr>
+          <p:cNvPr id="230" name="所需知识点"/>
+          <p:cNvSpPr txBox="1"/>
+          <p:nvPr/>
+        </p:nvSpPr>
+        <p:spPr>
+          <a:xfrm>
+            <a:off x="1362392" y="5788625"/>
+            <a:ext cx="21659216" cy="901701"/>
+          </a:xfrm>
+          <a:prstGeom prst="rect">
+            <a:avLst/>
+          </a:prstGeom>
+          <a:ln w="12700">
+            <a:miter lim="400000"/>
+          </a:ln>
+          <a:extLst>
+            <a:ext uri="{C572A759-6A51-4108-AA02-DFA0A04FC94B}">
+              <ma14:wrappingTextBoxFlag xmlns:ma14="http://schemas.microsoft.com/office/mac/drawingml/2011/main" val="1"/>
+            </a:ext>
+          </a:extLst>
+        </p:spPr>
+        <p:txBody>
+          <a:bodyPr lIns="50800" tIns="50800" rIns="50800" bIns="50800" anchor="ctr">
+            <a:spAutoFit/>
+          </a:bodyPr>
+          <a:lstStyle>
+            <a:lvl1pPr marL="451184" indent="-451184" algn="l">
+              <a:lnSpc>
+                <a:spcPct val="120000"/>
+              </a:lnSpc>
+              <a:buSzPct val="100000"/>
+              <a:buChar char="•"/>
+              <a:defRPr sz="4500">
+                <a:solidFill>
+                  <a:srgbClr val="434343"/>
+                </a:solidFill>
+                <a:latin typeface="+mn-lt"/>
+                <a:ea typeface="+mn-ea"/>
+                <a:cs typeface="+mn-cs"/>
+                <a:sym typeface="Helvetica Neue"/>
+              </a:defRPr>
+            </a:lvl1pPr>
+          </a:lstStyle>
+          <a:p>
+            <a:pPr/>
+            <a:r>
+              <a:t>不要保存敏感数据</a:t>
+            </a:r>
+          </a:p>
+        </p:txBody>
+      </p:sp>
+    </p:spTree>
+  </p:cSld>
+  <p:clrMapOvr>
+    <a:masterClrMapping/>
+  </p:clrMapOvr>
+  <p:transition xmlns:p14="http://schemas.microsoft.com/office/powerpoint/2010/main" spd="med" advClick="1"/>
+</p:sld>
+</file>
+
+<file path=ppt/slides/slide16.xml><?xml version="1.0" encoding="utf-8"?>
+<p:sld xmlns:a="http://schemas.openxmlformats.org/drawingml/2006/main" xmlns:r="http://schemas.openxmlformats.org/officeDocument/2006/relationships" xmlns:p="http://schemas.openxmlformats.org/presentationml/2006/main" xmlns:m="http://schemas.openxmlformats.org/officeDocument/2006/math" xmlns:a14="http://schemas.microsoft.com/office/drawing/2010/main" showMasterSp="1" showMasterPhAnim="1">
+  <p:cSld>
+    <p:bg>
+      <p:bgPr>
+        <a:solidFill>
+          <a:srgbClr val="FFFFFF"/>
+        </a:solidFill>
+      </p:bgPr>
+    </p:bg>
+    <p:spTree>
+      <p:nvGrpSpPr>
+        <p:cNvPr id="1" name=""/>
+        <p:cNvGrpSpPr/>
+        <p:nvPr/>
+      </p:nvGrpSpPr>
+      <p:grpSpPr>
+        <a:xfrm>
+          <a:off x="0" y="0"/>
+          <a:ext cx="0" cy="0"/>
+          <a:chOff x="0" y="0"/>
+          <a:chExt cx="0" cy="0"/>
+        </a:xfrm>
+      </p:grpSpPr>
+      <p:sp>
+        <p:nvSpPr>
+          <p:cNvPr id="232" name="幻灯片编号"/>
+          <p:cNvSpPr txBox="1"/>
+          <p:nvPr>
+            <p:ph type="sldNum" sz="quarter" idx="4294967295"/>
+          </p:nvPr>
+        </p:nvSpPr>
+        <p:spPr>
+          <a:xfrm>
+            <a:off x="11959031" y="13081000"/>
+            <a:ext cx="453238" cy="461059"/>
+          </a:xfrm>
+          <a:prstGeom prst="rect">
+            <a:avLst/>
+          </a:prstGeom>
+          <a:extLst>
+            <a:ext uri="{C572A759-6A51-4108-AA02-DFA0A04FC94B}">
+              <ma14:wrappingTextBoxFlag xmlns:ma14="http://schemas.microsoft.com/office/mac/drawingml/2011/main" val="1"/>
+            </a:ext>
+          </a:extLst>
+        </p:spPr>
+        <p:txBody>
+          <a:bodyPr/>
+          <a:lstStyle/>
+          <a:p>
+            <a:pPr/>
+            <a:fld id="{86CB4B4D-7CA3-9044-876B-883B54F8677D}" type="slidenum"/>
+          </a:p>
+        </p:txBody>
+      </p:sp>
+      <p:sp>
+        <p:nvSpPr>
+          <p:cNvPr id="233" name="eg:让一个方块动起来？"/>
+          <p:cNvSpPr txBox="1"/>
+          <p:nvPr/>
+        </p:nvSpPr>
+        <p:spPr>
+          <a:xfrm>
+            <a:off x="1418918" y="1019143"/>
+            <a:ext cx="20170338" cy="1192677"/>
+          </a:xfrm>
+          <a:prstGeom prst="rect">
+            <a:avLst/>
+          </a:prstGeom>
+          <a:ln w="12700">
+            <a:miter lim="400000"/>
+          </a:ln>
+          <a:extLst>
+            <a:ext uri="{C572A759-6A51-4108-AA02-DFA0A04FC94B}">
+              <ma14:wrappingTextBoxFlag xmlns:ma14="http://schemas.microsoft.com/office/mac/drawingml/2011/main" val="1"/>
+            </a:ext>
+          </a:extLst>
+        </p:spPr>
+        <p:txBody>
+          <a:bodyPr lIns="50800" tIns="50800" rIns="50800" bIns="50800" anchor="ctr">
+            <a:spAutoFit/>
+          </a:bodyPr>
+          <a:lstStyle>
+            <a:lvl1pPr algn="l">
+              <a:defRPr b="1" sz="7200">
+                <a:latin typeface="+mn-lt"/>
+                <a:ea typeface="+mn-ea"/>
+                <a:cs typeface="+mn-cs"/>
+                <a:sym typeface="Helvetica Neue"/>
+              </a:defRPr>
+            </a:lvl1pPr>
+          </a:lstStyle>
+          <a:p>
+            <a:pPr/>
+            <a:r>
+              <a:t>eg</a:t>
+            </a:r>
+          </a:p>
+        </p:txBody>
+      </p:sp>
+      <p:sp>
+        <p:nvSpPr>
+          <p:cNvPr id="234" name="矩形"/>
+          <p:cNvSpPr/>
+          <p:nvPr/>
+        </p:nvSpPr>
+        <p:spPr>
+          <a:xfrm>
+            <a:off x="-43615" y="688118"/>
+            <a:ext cx="841760" cy="1854726"/>
+          </a:xfrm>
+          <a:prstGeom prst="rect">
+            <a:avLst/>
+          </a:prstGeom>
+          <a:solidFill>
+            <a:schemeClr val="accent5"/>
+          </a:solidFill>
+          <a:ln w="12700">
+            <a:miter lim="400000"/>
+          </a:ln>
+        </p:spPr>
+        <p:txBody>
+          <a:bodyPr lIns="50800" tIns="50800" rIns="50800" bIns="50800" anchor="ctr"/>
+          <a:lstStyle/>
+          <a:p>
+            <a:pPr>
+              <a:defRPr sz="3200">
+                <a:solidFill>
+                  <a:srgbClr val="FFFFFF"/>
+                </a:solidFill>
+              </a:defRPr>
+            </a:pPr>
+          </a:p>
+        </p:txBody>
+      </p:sp>
+      <p:sp>
+        <p:nvSpPr>
+          <p:cNvPr id="235" name="矩形"/>
+          <p:cNvSpPr/>
+          <p:nvPr/>
+        </p:nvSpPr>
+        <p:spPr>
+          <a:xfrm>
+            <a:off x="2809" y="13533006"/>
+            <a:ext cx="24378382" cy="461061"/>
+          </a:xfrm>
+          <a:prstGeom prst="rect">
+            <a:avLst/>
+          </a:prstGeom>
+          <a:solidFill>
+            <a:schemeClr val="accent5"/>
+          </a:solidFill>
+          <a:ln w="12700">
+            <a:miter lim="400000"/>
+          </a:ln>
+        </p:spPr>
+        <p:txBody>
+          <a:bodyPr lIns="50800" tIns="50800" rIns="50800" bIns="50800" anchor="ctr"/>
+          <a:lstStyle/>
+          <a:p>
+            <a:pPr>
+              <a:defRPr sz="3200">
+                <a:solidFill>
+                  <a:srgbClr val="FFFFFF"/>
+                </a:solidFill>
+              </a:defRPr>
+            </a:pPr>
+          </a:p>
+        </p:txBody>
+      </p:sp>
+      <p:sp>
+        <p:nvSpPr>
+          <p:cNvPr id="236" name="所需知识点"/>
           <p:cNvSpPr txBox="1"/>
           <p:nvPr/>
         </p:nvSpPr>
@@ -4894,7 +5486,7 @@
 </p:sld>
 </file>
 
-<file path=ppt/slides/slide16.xml><?xml version="1.0" encoding="utf-8"?>
+<file path=ppt/slides/slide17.xml><?xml version="1.0" encoding="utf-8"?>
 <p:sld xmlns:a="http://schemas.openxmlformats.org/drawingml/2006/main" xmlns:r="http://schemas.openxmlformats.org/officeDocument/2006/relationships" xmlns:p="http://schemas.openxmlformats.org/presentationml/2006/main" xmlns:m="http://schemas.openxmlformats.org/officeDocument/2006/math" xmlns:a14="http://schemas.microsoft.com/office/drawing/2010/main" showMasterSp="1" showMasterPhAnim="1">
   <p:cSld>
     <p:bg>
@@ -4924,7 +5516,7 @@
       </p:grpSpPr>
       <p:sp>
         <p:nvSpPr>
-          <p:cNvPr id="226" name="Thanks！"/>
+          <p:cNvPr id="238" name="Thanks！"/>
           <p:cNvSpPr txBox="1"/>
           <p:nvPr>
             <p:ph type="ctrTitle"/>
@@ -4961,7 +5553,7 @@
       </p:sp>
       <p:sp>
         <p:nvSpPr>
-          <p:cNvPr id="227" name="追梦课堂临汾首家专业的web前端培训机构    www.zmclass.com"/>
+          <p:cNvPr id="239" name="追梦课堂临汾首家专业的web前端培训机构    www.zmclass.com"/>
           <p:cNvSpPr txBox="1"/>
           <p:nvPr/>
         </p:nvSpPr>
@@ -5039,7 +5631,7 @@
       </p:sp>
       <p:sp>
         <p:nvSpPr>
-          <p:cNvPr id="228" name="幻灯片编号"/>
+          <p:cNvPr id="240" name="幻灯片编号"/>
           <p:cNvSpPr txBox="1"/>
           <p:nvPr>
             <p:ph type="sldNum" sz="quarter" idx="4294967295"/>
